--- a/Barbershop.pptx
+++ b/Barbershop.pptx
@@ -5988,18 +5988,25 @@
         <p:spPr>
           <a:xfrm>
             <a:off x="289249" y="1372023"/>
-            <a:ext cx="4963886" cy="4469976"/>
+            <a:ext cx="4433753" cy="4469976"/>
           </a:xfrm>
         </p:spPr>
         <p:txBody>
           <a:bodyPr>
-            <a:normAutofit/>
+            <a:normAutofit fontScale="92500" lnSpcReduction="10000"/>
           </a:bodyPr>
           <a:lstStyle/>
           <a:p>
             <a:r>
               <a:rPr lang="ru-RU" dirty="0"/>
-              <a:t>Цель проекта - создать удобное приложение, использующее БД, с интуитивно понятным интерфейсом, реализованным с помощью библиотеки </a:t>
+              <a:t>Цель проекта - создать удобное приложение, использующее БД,</a:t>
+            </a:r>
+            <a:br>
+              <a:rPr lang="ru-RU" dirty="0"/>
+            </a:br>
+            <a:r>
+              <a:rPr lang="ru-RU" dirty="0"/>
+              <a:t>с интуитивно понятным интерфейсом, реализованным с помощью библиотеки </a:t>
             </a:r>
             <a:r>
               <a:rPr lang="en-GB" dirty="0"/>
@@ -6010,19 +6017,75 @@
           <a:p>
             <a:r>
               <a:rPr lang="ru-RU" dirty="0"/>
-              <a:t>Мой проект – приложение для парикмахерской</a:t>
-            </a:r>
-          </a:p>
-          <a:p>
-            <a:r>
+              <a:t>Мой проект – приложение</a:t>
+            </a:r>
+            <a:br>
               <a:rPr lang="ru-RU" dirty="0"/>
-              <a:t>Проект представляет собой окно, имеющее несколько вкладок, каждая вкладка отвечает за разные данные</a:t>
-            </a:r>
-          </a:p>
-          <a:p>
+            </a:br>
             <a:r>
               <a:rPr lang="ru-RU" dirty="0"/>
-              <a:t>При нажатии на кнопки, появляются вспомогательные окна для внесения новых данных</a:t>
+              <a:t>для парикмахерской</a:t>
+            </a:r>
+          </a:p>
+          <a:p>
+            <a:r>
+              <a:rPr lang="ru-RU" dirty="0"/>
+              <a:t>Проект представляет собой окно, имеющее несколько вкладок:</a:t>
+            </a:r>
+            <a:br>
+              <a:rPr lang="ru-RU" dirty="0"/>
+            </a:br>
+            <a:r>
+              <a:rPr lang="ru-RU" dirty="0"/>
+              <a:t>- записи на обслуживание;</a:t>
+            </a:r>
+            <a:br>
+              <a:rPr lang="ru-RU" dirty="0"/>
+            </a:br>
+            <a:r>
+              <a:rPr lang="ru-RU" dirty="0"/>
+              <a:t>- перечень услуг;</a:t>
+            </a:r>
+            <a:br>
+              <a:rPr lang="ru-RU" dirty="0"/>
+            </a:br>
+            <a:r>
+              <a:rPr lang="ru-RU" dirty="0"/>
+              <a:t>- список мастеров (сотрудников);</a:t>
+            </a:r>
+            <a:br>
+              <a:rPr lang="ru-RU" dirty="0"/>
+            </a:br>
+            <a:r>
+              <a:rPr lang="ru-RU" dirty="0"/>
+              <a:t>- режим работы.</a:t>
+            </a:r>
+          </a:p>
+          <a:p>
+            <a:r>
+              <a:rPr lang="ru-RU" dirty="0"/>
+              <a:t>Некоторые данные статичны,</a:t>
+            </a:r>
+            <a:br>
+              <a:rPr lang="ru-RU" dirty="0"/>
+            </a:br>
+            <a:r>
+              <a:rPr lang="ru-RU" dirty="0"/>
+              <a:t>некоторые доступны для добавления</a:t>
+            </a:r>
+            <a:br>
+              <a:rPr lang="ru-RU" dirty="0"/>
+            </a:br>
+            <a:r>
+              <a:rPr lang="ru-RU" dirty="0"/>
+              <a:t>и редактирования,</a:t>
+            </a:r>
+            <a:br>
+              <a:rPr lang="ru-RU" dirty="0"/>
+            </a:br>
+            <a:r>
+              <a:rPr lang="ru-RU" dirty="0"/>
+              <a:t>некоторые - для удаления.</a:t>
             </a:r>
           </a:p>
         </p:txBody>
@@ -6049,7 +6112,7 @@
         </p:blipFill>
         <p:spPr>
           <a:xfrm>
-            <a:off x="5072742" y="1016001"/>
+            <a:off x="4723002" y="1372023"/>
             <a:ext cx="6991343" cy="4395754"/>
           </a:xfrm>
           <a:prstGeom prst="rect">
@@ -6131,7 +6194,12 @@
             <p:ph idx="1"/>
           </p:nvPr>
         </p:nvSpPr>
-        <p:spPr/>
+        <p:spPr>
+          <a:xfrm>
+            <a:off x="1812022" y="1736521"/>
+            <a:ext cx="7461980" cy="4304841"/>
+          </a:xfrm>
+        </p:spPr>
         <p:txBody>
           <a:bodyPr/>
           <a:lstStyle/>
@@ -6282,11 +6350,11 @@
             </a:r>
             <a:r>
               <a:rPr lang="en-GB" dirty="0"/>
-              <a:t>, </a:t>
+              <a:t> </a:t>
             </a:r>
             <a:r>
               <a:rPr lang="ru-RU" dirty="0"/>
-              <a:t>включающая в себя 4 таблицы:</a:t>
+              <a:t>включает 4 таблицы:</a:t>
             </a:r>
           </a:p>
           <a:p>
@@ -6519,7 +6587,7 @@
         </p:blipFill>
         <p:spPr>
           <a:xfrm>
-            <a:off x="261063" y="714376"/>
+            <a:off x="2240867" y="999602"/>
             <a:ext cx="5141362" cy="1529300"/>
           </a:xfrm>
           <a:prstGeom prst="rect">
@@ -6549,7 +6617,7 @@
         </p:blipFill>
         <p:spPr>
           <a:xfrm>
-            <a:off x="261062" y="2362660"/>
+            <a:off x="2240866" y="2647886"/>
             <a:ext cx="5141362" cy="1124204"/>
           </a:xfrm>
           <a:prstGeom prst="rect">
@@ -6579,7 +6647,7 @@
         </p:blipFill>
         <p:spPr>
           <a:xfrm>
-            <a:off x="261063" y="3611320"/>
+            <a:off x="2240867" y="3896546"/>
             <a:ext cx="5141362" cy="1059780"/>
           </a:xfrm>
           <a:prstGeom prst="rect">
@@ -6609,7 +6677,7 @@
         </p:blipFill>
         <p:spPr>
           <a:xfrm>
-            <a:off x="261062" y="4795556"/>
+            <a:off x="2240866" y="5080782"/>
             <a:ext cx="5141362" cy="1056444"/>
           </a:xfrm>
           <a:prstGeom prst="rect">
@@ -6631,7 +6699,7 @@
         </p:nvSpPr>
         <p:spPr>
           <a:xfrm>
-            <a:off x="5877422" y="1109694"/>
+            <a:off x="7857226" y="1394920"/>
             <a:ext cx="1531188" cy="369332"/>
           </a:xfrm>
           <a:prstGeom prst="rect">
@@ -6676,7 +6744,7 @@
         </p:nvSpPr>
         <p:spPr>
           <a:xfrm>
-            <a:off x="5877422" y="2555430"/>
+            <a:off x="7857226" y="2840656"/>
             <a:ext cx="1069524" cy="369332"/>
           </a:xfrm>
           <a:prstGeom prst="rect">
@@ -6721,7 +6789,7 @@
         </p:nvSpPr>
         <p:spPr>
           <a:xfrm>
-            <a:off x="5881051" y="3771878"/>
+            <a:off x="7860855" y="4057104"/>
             <a:ext cx="1039708" cy="369332"/>
           </a:xfrm>
           <a:prstGeom prst="rect">
@@ -6766,7 +6834,7 @@
         </p:nvSpPr>
         <p:spPr>
           <a:xfrm>
-            <a:off x="5877422" y="4954446"/>
+            <a:off x="7857226" y="5239672"/>
             <a:ext cx="1680909" cy="369332"/>
           </a:xfrm>
           <a:prstGeom prst="rect">
@@ -6840,7 +6908,7 @@
         </p:nvCxnSpPr>
         <p:spPr>
           <a:xfrm flipH="1">
-            <a:off x="5469622" y="1294360"/>
+            <a:off x="7449426" y="1579586"/>
             <a:ext cx="407800" cy="492495"/>
           </a:xfrm>
           <a:prstGeom prst="straightConnector1">
@@ -6882,7 +6950,7 @@
         </p:nvCxnSpPr>
         <p:spPr>
           <a:xfrm flipH="1">
-            <a:off x="5441194" y="2740096"/>
+            <a:off x="7420998" y="3025322"/>
             <a:ext cx="436228" cy="430992"/>
           </a:xfrm>
           <a:prstGeom prst="straightConnector1">
@@ -6924,7 +6992,7 @@
         </p:nvCxnSpPr>
         <p:spPr>
           <a:xfrm flipH="1">
-            <a:off x="5469622" y="3956544"/>
+            <a:off x="7449426" y="4241770"/>
             <a:ext cx="411429" cy="444862"/>
           </a:xfrm>
           <a:prstGeom prst="straightConnector1">
@@ -6966,7 +7034,7 @@
         </p:nvCxnSpPr>
         <p:spPr>
           <a:xfrm flipH="1">
-            <a:off x="5469622" y="5139112"/>
+            <a:off x="7449426" y="5424338"/>
             <a:ext cx="407800" cy="423954"/>
           </a:xfrm>
           <a:prstGeom prst="straightConnector1">
@@ -7069,13 +7137,13 @@
         </p:nvSpPr>
         <p:spPr>
           <a:xfrm>
-            <a:off x="404615" y="2045494"/>
+            <a:off x="1268396" y="1483093"/>
             <a:ext cx="8219267" cy="2291614"/>
           </a:xfrm>
         </p:spPr>
         <p:txBody>
           <a:bodyPr>
-            <a:normAutofit fontScale="92500"/>
+            <a:normAutofit lnSpcReduction="10000"/>
           </a:bodyPr>
           <a:lstStyle/>
           <a:p>
@@ -7085,7 +7153,7 @@
             </a:pPr>
             <a:r>
               <a:rPr lang="ru-RU" sz="2000" dirty="0"/>
-              <a:t>Записываться на конкретную дату и время к конкретному мастеру</a:t>
+              <a:t>Записываться на желаемую дату и время к определенному мастеру</a:t>
             </a:r>
           </a:p>
           <a:p>
@@ -7105,15 +7173,14 @@
             </a:pPr>
             <a:r>
               <a:rPr lang="ru-RU" sz="2000" dirty="0"/>
-              <a:t>Фильтровать </a:t>
-            </a:r>
-            <a:r>
-              <a:rPr lang="ru-RU" sz="2200" dirty="0"/>
-              <a:t>таблицу</a:t>
-            </a:r>
-            <a:r>
+              <a:t>Выбрать записи, попадающие в заданный интервал даты</a:t>
+            </a:r>
+            <a:br>
               <a:rPr lang="ru-RU" sz="2000" dirty="0"/>
-              <a:t> с записями по дате и мастеру</a:t>
+            </a:br>
+            <a:r>
+              <a:rPr lang="ru-RU" sz="2000" dirty="0"/>
+              <a:t>и/или к выбранному мастеру</a:t>
             </a:r>
           </a:p>
           <a:p>
@@ -7123,11 +7190,8 @@
             </a:pPr>
             <a:r>
               <a:rPr lang="ru-RU" sz="2000" dirty="0"/>
-              <a:t>Добавлять, а также редактировать услуги (для администрации парикмахерской)</a:t>
-            </a:r>
-            <a:br>
-              <a:rPr lang="ru-RU" dirty="0"/>
-            </a:br>
+              <a:t>Добавлять и редактировать услуги (для администрации)</a:t>
+            </a:r>
             <a:endParaRPr lang="ru-RU" dirty="0"/>
           </a:p>
         </p:txBody>
@@ -7154,7 +7218,7 @@
         </p:blipFill>
         <p:spPr>
           <a:xfrm>
-            <a:off x="454378" y="4229100"/>
+            <a:off x="1268396" y="3952263"/>
             <a:ext cx="2838450" cy="2019300"/>
           </a:xfrm>
           <a:prstGeom prst="rect">
@@ -7184,7 +7248,7 @@
         </p:blipFill>
         <p:spPr>
           <a:xfrm>
-            <a:off x="4539130" y="4229100"/>
+            <a:off x="5378029" y="3914163"/>
             <a:ext cx="2838450" cy="2095500"/>
           </a:xfrm>
           <a:prstGeom prst="rect">
@@ -7266,14 +7330,22 @@
             <p:ph idx="1"/>
           </p:nvPr>
         </p:nvSpPr>
-        <p:spPr/>
+        <p:spPr>
+          <a:xfrm>
+            <a:off x="677334" y="2160589"/>
+            <a:ext cx="8819004" cy="3880773"/>
+          </a:xfrm>
+        </p:spPr>
         <p:txBody>
           <a:bodyPr/>
           <a:lstStyle/>
           <a:p>
+            <a:pPr marL="0" indent="0">
+              <a:buNone/>
+            </a:pPr>
             <a:r>
               <a:rPr lang="ru-RU" dirty="0"/>
-              <a:t>Можно:</a:t>
+              <a:t>Дальнейшее развитие приложения возможно по следующим направлениям:</a:t>
             </a:r>
           </a:p>
           <a:p>
@@ -7283,7 +7355,7 @@
             </a:pPr>
             <a:r>
               <a:rPr lang="ru-RU" dirty="0"/>
-              <a:t>Добавить для каждой процедуры длительность с точностью до минут</a:t>
+              <a:t>Добавить для каждой услуги длительность (с точностью до минут)</a:t>
             </a:r>
           </a:p>
           <a:p>
@@ -7293,7 +7365,7 @@
             </a:pPr>
             <a:r>
               <a:rPr lang="ru-RU" dirty="0"/>
-              <a:t>Добавить редактирование расписания (для администрации)</a:t>
+              <a:t>Добавить редактирование режима работы (для администрации)</a:t>
             </a:r>
           </a:p>
           <a:p>
@@ -7313,8 +7385,80 @@
             </a:pPr>
             <a:r>
               <a:rPr lang="ru-RU" dirty="0"/>
-              <a:t>Реализовать работу с рабочими местами</a:t>
-            </a:r>
+              <a:t>Реализовать работу с графиком работы мастеров и рабочими местами</a:t>
+            </a:r>
+          </a:p>
+          <a:p>
+            <a:pPr>
+              <a:buFont typeface="+mj-lt"/>
+              <a:buAutoNum type="arabicPeriod"/>
+            </a:pPr>
+            <a:r>
+              <a:rPr lang="ru-RU" dirty="0"/>
+              <a:t>Реализовать запись клиентов в парикмахерскую через интернет</a:t>
+            </a:r>
+          </a:p>
+          <a:p>
+            <a:pPr>
+              <a:buFont typeface="+mj-lt"/>
+              <a:buAutoNum type="arabicPeriod"/>
+            </a:pPr>
+            <a:r>
+              <a:rPr lang="ru-RU" dirty="0"/>
+              <a:t>Дополнить базу справочником клиентов (хотя бы телефонов или </a:t>
+            </a:r>
+            <a:r>
+              <a:rPr lang="en-GB" dirty="0"/>
+              <a:t>email</a:t>
+            </a:r>
+            <a:r>
+              <a:rPr lang="ru-RU" dirty="0"/>
+              <a:t>)</a:t>
+            </a:r>
+          </a:p>
+          <a:p>
+            <a:pPr>
+              <a:buFont typeface="+mj-lt"/>
+              <a:buAutoNum type="arabicPeriod"/>
+            </a:pPr>
+            <a:r>
+              <a:rPr lang="ru-RU" dirty="0"/>
+              <a:t>Разработать «напоминание» о записи в парикмахерскую</a:t>
+            </a:r>
+            <a:br>
+              <a:rPr lang="ru-RU" dirty="0"/>
+            </a:br>
+            <a:r>
+              <a:rPr lang="ru-RU" dirty="0"/>
+              <a:t>через </a:t>
+            </a:r>
+            <a:r>
+              <a:rPr lang="en-US" dirty="0" err="1"/>
+              <a:t>sms</a:t>
+            </a:r>
+            <a:r>
+              <a:rPr lang="ru-RU" dirty="0"/>
+              <a:t> или по </a:t>
+            </a:r>
+            <a:r>
+              <a:rPr lang="en-GB" dirty="0"/>
+              <a:t>email</a:t>
+            </a:r>
+            <a:endParaRPr lang="ru-RU" dirty="0"/>
+          </a:p>
+          <a:p>
+            <a:pPr>
+              <a:buFont typeface="+mj-lt"/>
+              <a:buAutoNum type="arabicPeriod"/>
+            </a:pPr>
+            <a:endParaRPr lang="ru-RU" dirty="0"/>
+          </a:p>
+          <a:p>
+            <a:pPr>
+              <a:buFont typeface="+mj-lt"/>
+              <a:buAutoNum type="arabicPeriod"/>
+            </a:pPr>
+            <a:endParaRPr lang="ru-RU" dirty="0"/>
           </a:p>
           <a:p>
             <a:pPr>

--- a/Barbershop.pptx
+++ b/Barbershop.pptx
@@ -840,7 +840,7 @@
           <a:p>
             <a:fld id="{6B3746D0-C2DB-46D9-89C1-1B2E8B0AB31F}" type="datetimeFigureOut">
               <a:rPr lang="ru-RU" smtClean="0"/>
-              <a:t>05.11.2023</a:t>
+              <a:t>06.11.2023</a:t>
             </a:fld>
             <a:endParaRPr lang="ru-RU"/>
           </a:p>
@@ -1091,7 +1091,7 @@
           <a:p>
             <a:fld id="{6B3746D0-C2DB-46D9-89C1-1B2E8B0AB31F}" type="datetimeFigureOut">
               <a:rPr lang="ru-RU" smtClean="0"/>
-              <a:t>05.11.2023</a:t>
+              <a:t>06.11.2023</a:t>
             </a:fld>
             <a:endParaRPr lang="ru-RU"/>
           </a:p>
@@ -1405,7 +1405,7 @@
           <a:p>
             <a:fld id="{6B3746D0-C2DB-46D9-89C1-1B2E8B0AB31F}" type="datetimeFigureOut">
               <a:rPr lang="ru-RU" smtClean="0"/>
-              <a:t>05.11.2023</a:t>
+              <a:t>06.11.2023</a:t>
             </a:fld>
             <a:endParaRPr lang="ru-RU"/>
           </a:p>
@@ -1746,7 +1746,7 @@
           <a:p>
             <a:fld id="{6B3746D0-C2DB-46D9-89C1-1B2E8B0AB31F}" type="datetimeFigureOut">
               <a:rPr lang="ru-RU" smtClean="0"/>
-              <a:t>05.11.2023</a:t>
+              <a:t>06.11.2023</a:t>
             </a:fld>
             <a:endParaRPr lang="ru-RU"/>
           </a:p>
@@ -2060,7 +2060,7 @@
           <a:p>
             <a:fld id="{6B3746D0-C2DB-46D9-89C1-1B2E8B0AB31F}" type="datetimeFigureOut">
               <a:rPr lang="ru-RU" smtClean="0"/>
-              <a:t>05.11.2023</a:t>
+              <a:t>06.11.2023</a:t>
             </a:fld>
             <a:endParaRPr lang="ru-RU"/>
           </a:p>
@@ -2453,7 +2453,7 @@
           <a:p>
             <a:fld id="{6B3746D0-C2DB-46D9-89C1-1B2E8B0AB31F}" type="datetimeFigureOut">
               <a:rPr lang="ru-RU" smtClean="0"/>
-              <a:t>05.11.2023</a:t>
+              <a:t>06.11.2023</a:t>
             </a:fld>
             <a:endParaRPr lang="ru-RU"/>
           </a:p>
@@ -2623,7 +2623,7 @@
           <a:p>
             <a:fld id="{6B3746D0-C2DB-46D9-89C1-1B2E8B0AB31F}" type="datetimeFigureOut">
               <a:rPr lang="ru-RU" smtClean="0"/>
-              <a:t>05.11.2023</a:t>
+              <a:t>06.11.2023</a:t>
             </a:fld>
             <a:endParaRPr lang="ru-RU"/>
           </a:p>
@@ -2803,7 +2803,7 @@
           <a:p>
             <a:fld id="{6B3746D0-C2DB-46D9-89C1-1B2E8B0AB31F}" type="datetimeFigureOut">
               <a:rPr lang="ru-RU" smtClean="0"/>
-              <a:t>05.11.2023</a:t>
+              <a:t>06.11.2023</a:t>
             </a:fld>
             <a:endParaRPr lang="ru-RU"/>
           </a:p>
@@ -2979,7 +2979,7 @@
           <a:p>
             <a:fld id="{6B3746D0-C2DB-46D9-89C1-1B2E8B0AB31F}" type="datetimeFigureOut">
               <a:rPr lang="ru-RU" smtClean="0"/>
-              <a:t>05.11.2023</a:t>
+              <a:t>06.11.2023</a:t>
             </a:fld>
             <a:endParaRPr lang="ru-RU"/>
           </a:p>
@@ -3226,7 +3226,7 @@
           <a:p>
             <a:fld id="{6B3746D0-C2DB-46D9-89C1-1B2E8B0AB31F}" type="datetimeFigureOut">
               <a:rPr lang="ru-RU" smtClean="0"/>
-              <a:t>05.11.2023</a:t>
+              <a:t>06.11.2023</a:t>
             </a:fld>
             <a:endParaRPr lang="ru-RU"/>
           </a:p>
@@ -3458,7 +3458,7 @@
           <a:p>
             <a:fld id="{6B3746D0-C2DB-46D9-89C1-1B2E8B0AB31F}" type="datetimeFigureOut">
               <a:rPr lang="ru-RU" smtClean="0"/>
-              <a:t>05.11.2023</a:t>
+              <a:t>06.11.2023</a:t>
             </a:fld>
             <a:endParaRPr lang="ru-RU"/>
           </a:p>
@@ -3832,7 +3832,7 @@
           <a:p>
             <a:fld id="{6B3746D0-C2DB-46D9-89C1-1B2E8B0AB31F}" type="datetimeFigureOut">
               <a:rPr lang="ru-RU" smtClean="0"/>
-              <a:t>05.11.2023</a:t>
+              <a:t>06.11.2023</a:t>
             </a:fld>
             <a:endParaRPr lang="ru-RU"/>
           </a:p>
@@ -3955,7 +3955,7 @@
           <a:p>
             <a:fld id="{6B3746D0-C2DB-46D9-89C1-1B2E8B0AB31F}" type="datetimeFigureOut">
               <a:rPr lang="ru-RU" smtClean="0"/>
-              <a:t>05.11.2023</a:t>
+              <a:t>06.11.2023</a:t>
             </a:fld>
             <a:endParaRPr lang="ru-RU"/>
           </a:p>
@@ -4050,7 +4050,7 @@
           <a:p>
             <a:fld id="{6B3746D0-C2DB-46D9-89C1-1B2E8B0AB31F}" type="datetimeFigureOut">
               <a:rPr lang="ru-RU" smtClean="0"/>
-              <a:t>05.11.2023</a:t>
+              <a:t>06.11.2023</a:t>
             </a:fld>
             <a:endParaRPr lang="ru-RU"/>
           </a:p>
@@ -4305,7 +4305,7 @@
           <a:p>
             <a:fld id="{6B3746D0-C2DB-46D9-89C1-1B2E8B0AB31F}" type="datetimeFigureOut">
               <a:rPr lang="ru-RU" smtClean="0"/>
-              <a:t>05.11.2023</a:t>
+              <a:t>06.11.2023</a:t>
             </a:fld>
             <a:endParaRPr lang="ru-RU"/>
           </a:p>
@@ -4568,7 +4568,7 @@
           <a:p>
             <a:fld id="{6B3746D0-C2DB-46D9-89C1-1B2E8B0AB31F}" type="datetimeFigureOut">
               <a:rPr lang="ru-RU" smtClean="0"/>
-              <a:t>05.11.2023</a:t>
+              <a:t>06.11.2023</a:t>
             </a:fld>
             <a:endParaRPr lang="ru-RU"/>
           </a:p>
@@ -5311,7 +5311,7 @@
           <a:p>
             <a:fld id="{6B3746D0-C2DB-46D9-89C1-1B2E8B0AB31F}" type="datetimeFigureOut">
               <a:rPr lang="ru-RU" smtClean="0"/>
-              <a:t>05.11.2023</a:t>
+              <a:t>06.11.2023</a:t>
             </a:fld>
             <a:endParaRPr lang="ru-RU"/>
           </a:p>
@@ -7451,6 +7451,21 @@
               <a:buFont typeface="+mj-lt"/>
               <a:buAutoNum type="arabicPeriod"/>
             </a:pPr>
+            <a:r>
+              <a:rPr lang="ru-RU" dirty="0"/>
+              <a:t>Ограничить запись на дату и время </a:t>
+            </a:r>
+            <a:r>
+              <a:rPr lang="ru-RU"/>
+              <a:t>из прошлого</a:t>
+            </a:r>
+            <a:endParaRPr lang="ru-RU" dirty="0"/>
+          </a:p>
+          <a:p>
+            <a:pPr>
+              <a:buFont typeface="+mj-lt"/>
+              <a:buAutoNum type="arabicPeriod"/>
+            </a:pPr>
             <a:endParaRPr lang="ru-RU" dirty="0"/>
           </a:p>
           <a:p>
